--- a/Umami_YYDS/Paper及endnote/logo来源摘要图.pptx
+++ b/Umami_YYDS/Paper及endnote/logo来源摘要图.pptx
@@ -11,6 +11,7 @@
     <p:sldId id="259" r:id="rId5"/>
     <p:sldId id="260" r:id="rId6"/>
     <p:sldId id="261" r:id="rId7"/>
+    <p:sldId id="262" r:id="rId8"/>
   </p:sldIdLst>
   <p:sldSz cx="12192000" cy="6858000"/>
   <p:notesSz cx="6858000" cy="9144000"/>
@@ -275,7 +276,7 @@
           <a:p>
             <a:fld id="{B8DF0B38-1A71-4F35-BACA-BD48B653CF4D}" type="datetimeFigureOut">
               <a:rPr lang="zh-CN" altLang="en-US" smtClean="0"/>
-              <a:t>2021/11/24</a:t>
+              <a:t>2022/2/21</a:t>
             </a:fld>
             <a:endParaRPr lang="zh-CN" altLang="en-US"/>
           </a:p>
@@ -473,7 +474,7 @@
           <a:p>
             <a:fld id="{B8DF0B38-1A71-4F35-BACA-BD48B653CF4D}" type="datetimeFigureOut">
               <a:rPr lang="zh-CN" altLang="en-US" smtClean="0"/>
-              <a:t>2021/11/24</a:t>
+              <a:t>2022/2/21</a:t>
             </a:fld>
             <a:endParaRPr lang="zh-CN" altLang="en-US"/>
           </a:p>
@@ -681,7 +682,7 @@
           <a:p>
             <a:fld id="{B8DF0B38-1A71-4F35-BACA-BD48B653CF4D}" type="datetimeFigureOut">
               <a:rPr lang="zh-CN" altLang="en-US" smtClean="0"/>
-              <a:t>2021/11/24</a:t>
+              <a:t>2022/2/21</a:t>
             </a:fld>
             <a:endParaRPr lang="zh-CN" altLang="en-US"/>
           </a:p>
@@ -879,7 +880,7 @@
           <a:p>
             <a:fld id="{B8DF0B38-1A71-4F35-BACA-BD48B653CF4D}" type="datetimeFigureOut">
               <a:rPr lang="zh-CN" altLang="en-US" smtClean="0"/>
-              <a:t>2021/11/24</a:t>
+              <a:t>2022/2/21</a:t>
             </a:fld>
             <a:endParaRPr lang="zh-CN" altLang="en-US"/>
           </a:p>
@@ -1154,7 +1155,7 @@
           <a:p>
             <a:fld id="{B8DF0B38-1A71-4F35-BACA-BD48B653CF4D}" type="datetimeFigureOut">
               <a:rPr lang="zh-CN" altLang="en-US" smtClean="0"/>
-              <a:t>2021/11/24</a:t>
+              <a:t>2022/2/21</a:t>
             </a:fld>
             <a:endParaRPr lang="zh-CN" altLang="en-US"/>
           </a:p>
@@ -1419,7 +1420,7 @@
           <a:p>
             <a:fld id="{B8DF0B38-1A71-4F35-BACA-BD48B653CF4D}" type="datetimeFigureOut">
               <a:rPr lang="zh-CN" altLang="en-US" smtClean="0"/>
-              <a:t>2021/11/24</a:t>
+              <a:t>2022/2/21</a:t>
             </a:fld>
             <a:endParaRPr lang="zh-CN" altLang="en-US"/>
           </a:p>
@@ -1831,7 +1832,7 @@
           <a:p>
             <a:fld id="{B8DF0B38-1A71-4F35-BACA-BD48B653CF4D}" type="datetimeFigureOut">
               <a:rPr lang="zh-CN" altLang="en-US" smtClean="0"/>
-              <a:t>2021/11/24</a:t>
+              <a:t>2022/2/21</a:t>
             </a:fld>
             <a:endParaRPr lang="zh-CN" altLang="en-US"/>
           </a:p>
@@ -1972,7 +1973,7 @@
           <a:p>
             <a:fld id="{B8DF0B38-1A71-4F35-BACA-BD48B653CF4D}" type="datetimeFigureOut">
               <a:rPr lang="zh-CN" altLang="en-US" smtClean="0"/>
-              <a:t>2021/11/24</a:t>
+              <a:t>2022/2/21</a:t>
             </a:fld>
             <a:endParaRPr lang="zh-CN" altLang="en-US"/>
           </a:p>
@@ -2085,7 +2086,7 @@
           <a:p>
             <a:fld id="{B8DF0B38-1A71-4F35-BACA-BD48B653CF4D}" type="datetimeFigureOut">
               <a:rPr lang="zh-CN" altLang="en-US" smtClean="0"/>
-              <a:t>2021/11/24</a:t>
+              <a:t>2022/2/21</a:t>
             </a:fld>
             <a:endParaRPr lang="zh-CN" altLang="en-US"/>
           </a:p>
@@ -2396,7 +2397,7 @@
           <a:p>
             <a:fld id="{B8DF0B38-1A71-4F35-BACA-BD48B653CF4D}" type="datetimeFigureOut">
               <a:rPr lang="zh-CN" altLang="en-US" smtClean="0"/>
-              <a:t>2021/11/24</a:t>
+              <a:t>2022/2/21</a:t>
             </a:fld>
             <a:endParaRPr lang="zh-CN" altLang="en-US"/>
           </a:p>
@@ -2684,7 +2685,7 @@
           <a:p>
             <a:fld id="{B8DF0B38-1A71-4F35-BACA-BD48B653CF4D}" type="datetimeFigureOut">
               <a:rPr lang="zh-CN" altLang="en-US" smtClean="0"/>
-              <a:t>2021/11/24</a:t>
+              <a:t>2022/2/21</a:t>
             </a:fld>
             <a:endParaRPr lang="zh-CN" altLang="en-US"/>
           </a:p>
@@ -2925,7 +2926,7 @@
           <a:p>
             <a:fld id="{B8DF0B38-1A71-4F35-BACA-BD48B653CF4D}" type="datetimeFigureOut">
               <a:rPr lang="zh-CN" altLang="en-US" smtClean="0"/>
-              <a:t>2021/11/24</a:t>
+              <a:t>2022/2/21</a:t>
             </a:fld>
             <a:endParaRPr lang="zh-CN" altLang="en-US"/>
           </a:p>
@@ -4502,6 +4503,124 @@
 </p:sld>
 </file>
 
+<file path=ppt/slides/slide7.xml><?xml version="1.0" encoding="utf-8"?>
+<p:sld xmlns:a="http://schemas.openxmlformats.org/drawingml/2006/main" xmlns:r="http://schemas.openxmlformats.org/officeDocument/2006/relationships" xmlns:p="http://schemas.openxmlformats.org/presentationml/2006/main">
+  <p:cSld>
+    <p:spTree>
+      <p:nvGrpSpPr>
+        <p:cNvPr id="1" name=""/>
+        <p:cNvGrpSpPr/>
+        <p:nvPr/>
+      </p:nvGrpSpPr>
+      <p:grpSpPr>
+        <a:xfrm>
+          <a:off x="0" y="0"/>
+          <a:ext cx="0" cy="0"/>
+          <a:chOff x="0" y="0"/>
+          <a:chExt cx="0" cy="0"/>
+        </a:xfrm>
+      </p:grpSpPr>
+      <p:pic>
+        <p:nvPicPr>
+          <p:cNvPr id="7" name="图片 6" descr="图形用户界面, 应用程序&#10;&#10;描述已自动生成">
+            <a:extLst>
+              <a:ext uri="{FF2B5EF4-FFF2-40B4-BE49-F238E27FC236}">
+                <a16:creationId xmlns:a16="http://schemas.microsoft.com/office/drawing/2014/main" id="{6724F492-0913-4596-B3FA-FCC969FF5B85}"/>
+              </a:ext>
+            </a:extLst>
+          </p:cNvPr>
+          <p:cNvPicPr>
+            <a:picLocks noChangeAspect="1"/>
+          </p:cNvPicPr>
+          <p:nvPr/>
+        </p:nvPicPr>
+        <p:blipFill>
+          <a:blip r:embed="rId2">
+            <a:extLst>
+              <a:ext uri="{28A0092B-C50C-407E-A947-70E740481C1C}">
+                <a14:useLocalDpi xmlns:a14="http://schemas.microsoft.com/office/drawing/2010/main" val="0"/>
+              </a:ext>
+            </a:extLst>
+          </a:blip>
+          <a:stretch>
+            <a:fillRect/>
+          </a:stretch>
+        </p:blipFill>
+        <p:spPr>
+          <a:xfrm>
+            <a:off x="2080762" y="0"/>
+            <a:ext cx="8030476" cy="6858000"/>
+          </a:xfrm>
+          <a:prstGeom prst="rect">
+            <a:avLst/>
+          </a:prstGeom>
+        </p:spPr>
+      </p:pic>
+      <p:sp>
+        <p:nvSpPr>
+          <p:cNvPr id="8" name="矩形 7">
+            <a:extLst>
+              <a:ext uri="{FF2B5EF4-FFF2-40B4-BE49-F238E27FC236}">
+                <a16:creationId xmlns:a16="http://schemas.microsoft.com/office/drawing/2014/main" id="{8D871C6C-C5DB-45F5-A572-C3505E04E2ED}"/>
+              </a:ext>
+            </a:extLst>
+          </p:cNvPr>
+          <p:cNvSpPr/>
+          <p:nvPr/>
+        </p:nvSpPr>
+        <p:spPr>
+          <a:xfrm>
+            <a:off x="2533650" y="2736850"/>
+            <a:ext cx="1708150" cy="146050"/>
+          </a:xfrm>
+          <a:prstGeom prst="rect">
+            <a:avLst/>
+          </a:prstGeom>
+          <a:solidFill>
+            <a:srgbClr val="FFFFFF"/>
+          </a:solidFill>
+          <a:ln>
+            <a:noFill/>
+          </a:ln>
+        </p:spPr>
+        <p:style>
+          <a:lnRef idx="2">
+            <a:schemeClr val="accent1">
+              <a:shade val="50000"/>
+            </a:schemeClr>
+          </a:lnRef>
+          <a:fillRef idx="1">
+            <a:schemeClr val="accent1"/>
+          </a:fillRef>
+          <a:effectRef idx="0">
+            <a:schemeClr val="accent1"/>
+          </a:effectRef>
+          <a:fontRef idx="minor">
+            <a:schemeClr val="lt1"/>
+          </a:fontRef>
+        </p:style>
+        <p:txBody>
+          <a:bodyPr rtlCol="0" anchor="ctr"/>
+          <a:lstStyle/>
+          <a:p>
+            <a:pPr algn="ctr"/>
+            <a:endParaRPr lang="zh-CN" altLang="en-US"/>
+          </a:p>
+        </p:txBody>
+      </p:sp>
+    </p:spTree>
+    <p:extLst>
+      <p:ext uri="{BB962C8B-B14F-4D97-AF65-F5344CB8AC3E}">
+        <p14:creationId xmlns:p14="http://schemas.microsoft.com/office/powerpoint/2010/main" val="463782591"/>
+      </p:ext>
+    </p:extLst>
+  </p:cSld>
+  <p:clrMapOvr>
+    <a:masterClrMapping/>
+  </p:clrMapOvr>
+</p:sld>
+</file>
+
 <file path=ppt/theme/theme1.xml><?xml version="1.0" encoding="utf-8"?>
 <a:theme xmlns:a="http://schemas.openxmlformats.org/drawingml/2006/main" name="Office 主题​​">
   <a:themeElements>
